--- a/Surya_figure.pptx
+++ b/Surya_figure.pptx
@@ -5,11 +5,12 @@
     <p:sldMasterId id="2147483660" r:id="rId1"/>
   </p:sldMasterIdLst>
   <p:notesMasterIdLst>
-    <p:notesMasterId r:id="rId4"/>
+    <p:notesMasterId r:id="rId5"/>
   </p:notesMasterIdLst>
   <p:sldIdLst>
     <p:sldId id="256" r:id="rId2"/>
     <p:sldId id="276" r:id="rId3"/>
+    <p:sldId id="277" r:id="rId4"/>
   </p:sldIdLst>
   <p:sldSz cx="3429000" cy="2571750"/>
   <p:notesSz cx="6858000" cy="9144000"/>
@@ -198,7 +199,7 @@
           <a:p>
             <a:fld id="{5AA5A92D-55F4-4689-8FBB-5354F02867B9}" type="datetimeFigureOut">
               <a:rPr lang="en-US" smtClean="0"/>
-              <a:t>11/19/2019</a:t>
+              <a:t>2/27/2023</a:t>
             </a:fld>
             <a:endParaRPr lang="en-US"/>
           </a:p>
@@ -551,6 +552,92 @@
 </p:notes>
 </file>
 
+<file path=ppt/notesSlides/notesSlide2.xml><?xml version="1.0" encoding="utf-8"?>
+<p:notes xmlns:a="http://schemas.openxmlformats.org/drawingml/2006/main" xmlns:r="http://schemas.openxmlformats.org/officeDocument/2006/relationships" xmlns:p="http://schemas.openxmlformats.org/presentationml/2006/main">
+  <p:cSld>
+    <p:spTree>
+      <p:nvGrpSpPr>
+        <p:cNvPr id="1" name=""/>
+        <p:cNvGrpSpPr/>
+        <p:nvPr/>
+      </p:nvGrpSpPr>
+      <p:grpSpPr>
+        <a:xfrm>
+          <a:off x="0" y="0"/>
+          <a:ext cx="0" cy="0"/>
+          <a:chOff x="0" y="0"/>
+          <a:chExt cx="0" cy="0"/>
+        </a:xfrm>
+      </p:grpSpPr>
+      <p:sp>
+        <p:nvSpPr>
+          <p:cNvPr id="2" name="Slide Image Placeholder 1"/>
+          <p:cNvSpPr>
+            <a:spLocks noGrp="1" noRot="1" noChangeAspect="1"/>
+          </p:cNvSpPr>
+          <p:nvPr>
+            <p:ph type="sldImg"/>
+          </p:nvPr>
+        </p:nvSpPr>
+        <p:spPr/>
+      </p:sp>
+      <p:sp>
+        <p:nvSpPr>
+          <p:cNvPr id="3" name="Notes Placeholder 2"/>
+          <p:cNvSpPr>
+            <a:spLocks noGrp="1"/>
+          </p:cNvSpPr>
+          <p:nvPr>
+            <p:ph type="body" idx="1"/>
+          </p:nvPr>
+        </p:nvSpPr>
+        <p:spPr/>
+        <p:txBody>
+          <a:bodyPr/>
+          <a:lstStyle/>
+          <a:p>
+            <a:endParaRPr lang="en-US" dirty="0">
+              <a:effectLst/>
+            </a:endParaRPr>
+          </a:p>
+        </p:txBody>
+      </p:sp>
+      <p:sp>
+        <p:nvSpPr>
+          <p:cNvPr id="4" name="Slide Number Placeholder 3"/>
+          <p:cNvSpPr>
+            <a:spLocks noGrp="1"/>
+          </p:cNvSpPr>
+          <p:nvPr>
+            <p:ph type="sldNum" sz="quarter" idx="5"/>
+          </p:nvPr>
+        </p:nvSpPr>
+        <p:spPr/>
+        <p:txBody>
+          <a:bodyPr/>
+          <a:lstStyle/>
+          <a:p>
+            <a:fld id="{AAC7D124-CA5C-425A-91D4-39A7E21EB3F6}" type="slidenum">
+              <a:rPr lang="en-US" smtClean="0"/>
+              <a:t>3</a:t>
+            </a:fld>
+            <a:endParaRPr lang="en-US" dirty="0"/>
+          </a:p>
+        </p:txBody>
+      </p:sp>
+    </p:spTree>
+    <p:extLst>
+      <p:ext uri="{BB962C8B-B14F-4D97-AF65-F5344CB8AC3E}">
+        <p14:creationId xmlns:p14="http://schemas.microsoft.com/office/powerpoint/2010/main" val="1282287622"/>
+      </p:ext>
+    </p:extLst>
+  </p:cSld>
+  <p:clrMapOvr>
+    <a:masterClrMapping/>
+  </p:clrMapOvr>
+</p:notes>
+</file>
+
 <file path=ppt/slideLayouts/slideLayout1.xml><?xml version="1.0" encoding="utf-8"?>
 <p:sldLayout xmlns:a="http://schemas.openxmlformats.org/drawingml/2006/main" xmlns:r="http://schemas.openxmlformats.org/officeDocument/2006/relationships" xmlns:p="http://schemas.openxmlformats.org/presentationml/2006/main" type="title" preserve="1">
   <p:cSld name="Title Slide">
@@ -682,7 +769,7 @@
           <a:p>
             <a:fld id="{4BC7DA18-73FC-4D16-8CFB-9CCFAA425F44}" type="datetimeFigureOut">
               <a:rPr lang="en-US" smtClean="0"/>
-              <a:t>11/19/2019</a:t>
+              <a:t>2/27/2023</a:t>
             </a:fld>
             <a:endParaRPr lang="en-US"/>
           </a:p>
@@ -852,7 +939,7 @@
           <a:p>
             <a:fld id="{4BC7DA18-73FC-4D16-8CFB-9CCFAA425F44}" type="datetimeFigureOut">
               <a:rPr lang="en-US" smtClean="0"/>
-              <a:t>11/19/2019</a:t>
+              <a:t>2/27/2023</a:t>
             </a:fld>
             <a:endParaRPr lang="en-US"/>
           </a:p>
@@ -1032,7 +1119,7 @@
           <a:p>
             <a:fld id="{4BC7DA18-73FC-4D16-8CFB-9CCFAA425F44}" type="datetimeFigureOut">
               <a:rPr lang="en-US" smtClean="0"/>
-              <a:t>11/19/2019</a:t>
+              <a:t>2/27/2023</a:t>
             </a:fld>
             <a:endParaRPr lang="en-US"/>
           </a:p>
@@ -1202,7 +1289,7 @@
           <a:p>
             <a:fld id="{4BC7DA18-73FC-4D16-8CFB-9CCFAA425F44}" type="datetimeFigureOut">
               <a:rPr lang="en-US" smtClean="0"/>
-              <a:t>11/19/2019</a:t>
+              <a:t>2/27/2023</a:t>
             </a:fld>
             <a:endParaRPr lang="en-US"/>
           </a:p>
@@ -1446,7 +1533,7 @@
           <a:p>
             <a:fld id="{4BC7DA18-73FC-4D16-8CFB-9CCFAA425F44}" type="datetimeFigureOut">
               <a:rPr lang="en-US" smtClean="0"/>
-              <a:t>11/19/2019</a:t>
+              <a:t>2/27/2023</a:t>
             </a:fld>
             <a:endParaRPr lang="en-US"/>
           </a:p>
@@ -1678,7 +1765,7 @@
           <a:p>
             <a:fld id="{4BC7DA18-73FC-4D16-8CFB-9CCFAA425F44}" type="datetimeFigureOut">
               <a:rPr lang="en-US" smtClean="0"/>
-              <a:t>11/19/2019</a:t>
+              <a:t>2/27/2023</a:t>
             </a:fld>
             <a:endParaRPr lang="en-US"/>
           </a:p>
@@ -2045,7 +2132,7 @@
           <a:p>
             <a:fld id="{4BC7DA18-73FC-4D16-8CFB-9CCFAA425F44}" type="datetimeFigureOut">
               <a:rPr lang="en-US" smtClean="0"/>
-              <a:t>11/19/2019</a:t>
+              <a:t>2/27/2023</a:t>
             </a:fld>
             <a:endParaRPr lang="en-US"/>
           </a:p>
@@ -2163,7 +2250,7 @@
           <a:p>
             <a:fld id="{4BC7DA18-73FC-4D16-8CFB-9CCFAA425F44}" type="datetimeFigureOut">
               <a:rPr lang="en-US" smtClean="0"/>
-              <a:t>11/19/2019</a:t>
+              <a:t>2/27/2023</a:t>
             </a:fld>
             <a:endParaRPr lang="en-US"/>
           </a:p>
@@ -2258,7 +2345,7 @@
           <a:p>
             <a:fld id="{4BC7DA18-73FC-4D16-8CFB-9CCFAA425F44}" type="datetimeFigureOut">
               <a:rPr lang="en-US" smtClean="0"/>
-              <a:t>11/19/2019</a:t>
+              <a:t>2/27/2023</a:t>
             </a:fld>
             <a:endParaRPr lang="en-US"/>
           </a:p>
@@ -2535,7 +2622,7 @@
           <a:p>
             <a:fld id="{4BC7DA18-73FC-4D16-8CFB-9CCFAA425F44}" type="datetimeFigureOut">
               <a:rPr lang="en-US" smtClean="0"/>
-              <a:t>11/19/2019</a:t>
+              <a:t>2/27/2023</a:t>
             </a:fld>
             <a:endParaRPr lang="en-US"/>
           </a:p>
@@ -2792,7 +2879,7 @@
           <a:p>
             <a:fld id="{4BC7DA18-73FC-4D16-8CFB-9CCFAA425F44}" type="datetimeFigureOut">
               <a:rPr lang="en-US" smtClean="0"/>
-              <a:t>11/19/2019</a:t>
+              <a:t>2/27/2023</a:t>
             </a:fld>
             <a:endParaRPr lang="en-US"/>
           </a:p>
@@ -3005,7 +3092,7 @@
           <a:p>
             <a:fld id="{4BC7DA18-73FC-4D16-8CFB-9CCFAA425F44}" type="datetimeFigureOut">
               <a:rPr lang="en-US" smtClean="0"/>
-              <a:t>11/19/2019</a:t>
+              <a:t>2/27/2023</a:t>
             </a:fld>
             <a:endParaRPr lang="en-US"/>
           </a:p>
@@ -3427,7 +3514,9 @@
               </a:ext>
             </a:extLst>
           </p:cNvPr>
-          <p:cNvSpPr txBox="1"/>
+          <p:cNvSpPr txBox="1">
+            <a:spLocks noGrp="1" noRot="1" noMove="1" noResize="1" noEditPoints="1" noAdjustHandles="1" noChangeArrowheads="1" noChangeShapeType="1"/>
+          </p:cNvSpPr>
           <p:nvPr/>
         </p:nvSpPr>
         <p:spPr>
@@ -3485,7 +3574,9 @@
               </a:ext>
             </a:extLst>
           </p:cNvPr>
-          <p:cNvGrpSpPr/>
+          <p:cNvGrpSpPr>
+            <a:grpSpLocks noGrp="1" noUngrp="1" noRot="1" noMove="1" noResize="1"/>
+          </p:cNvGrpSpPr>
           <p:nvPr/>
         </p:nvGrpSpPr>
         <p:grpSpPr>
@@ -3505,7 +3596,9 @@
                 </a:ext>
               </a:extLst>
             </p:cNvPr>
-            <p:cNvGrpSpPr/>
+            <p:cNvGrpSpPr>
+              <a:grpSpLocks noGrp="1" noUngrp="1" noRot="1" noMove="1" noResize="1"/>
+            </p:cNvGrpSpPr>
             <p:nvPr/>
           </p:nvGrpSpPr>
           <p:grpSpPr>
@@ -3525,7 +3618,9 @@
                   </a:ext>
                 </a:extLst>
               </p:cNvPr>
-              <p:cNvGrpSpPr/>
+              <p:cNvGrpSpPr>
+                <a:grpSpLocks noGrp="1" noUngrp="1" noRot="1" noMove="1" noResize="1"/>
+              </p:cNvGrpSpPr>
               <p:nvPr/>
             </p:nvGrpSpPr>
             <p:grpSpPr>
@@ -3545,7 +3640,9 @@
                     </a:ext>
                   </a:extLst>
                 </p:cNvPr>
-                <p:cNvSpPr/>
+                <p:cNvSpPr>
+                  <a:spLocks noGrp="1" noRot="1" noMove="1" noResize="1" noEditPoints="1" noAdjustHandles="1" noChangeArrowheads="1" noChangeShapeType="1"/>
+                </p:cNvSpPr>
                 <p:nvPr/>
               </p:nvSpPr>
               <p:spPr>
@@ -3733,7 +3830,9 @@
                     </a:ext>
                   </a:extLst>
                 </p:cNvPr>
-                <p:cNvGrpSpPr/>
+                <p:cNvGrpSpPr>
+                  <a:grpSpLocks noGrp="1" noUngrp="1" noRot="1" noMove="1" noResize="1"/>
+                </p:cNvGrpSpPr>
                 <p:nvPr/>
               </p:nvGrpSpPr>
               <p:grpSpPr>
@@ -3753,7 +3852,9 @@
                       </a:ext>
                     </a:extLst>
                   </p:cNvPr>
-                  <p:cNvSpPr/>
+                  <p:cNvSpPr>
+                    <a:spLocks noGrp="1" noRot="1" noMove="1" noResize="1" noEditPoints="1" noAdjustHandles="1" noChangeArrowheads="1" noChangeShapeType="1"/>
+                  </p:cNvSpPr>
                   <p:nvPr/>
                 </p:nvSpPr>
                 <p:spPr>
@@ -3967,7 +4068,9 @@
                       </a:ext>
                     </a:extLst>
                   </p:cNvPr>
-                  <p:cNvSpPr/>
+                  <p:cNvSpPr>
+                    <a:spLocks noGrp="1" noRot="1" noMove="1" noResize="1" noEditPoints="1" noAdjustHandles="1" noChangeArrowheads="1" noChangeShapeType="1"/>
+                  </p:cNvSpPr>
                   <p:nvPr/>
                 </p:nvSpPr>
                 <p:spPr>
@@ -4071,7 +4174,9 @@
                       </a:ext>
                     </a:extLst>
                   </p:cNvPr>
-                  <p:cNvSpPr/>
+                  <p:cNvSpPr>
+                    <a:spLocks noGrp="1" noRot="1" noMove="1" noResize="1" noEditPoints="1" noAdjustHandles="1" noChangeArrowheads="1" noChangeShapeType="1"/>
+                  </p:cNvSpPr>
                   <p:nvPr/>
                 </p:nvSpPr>
                 <p:spPr>
@@ -4283,7 +4388,9 @@
                       </a:ext>
                     </a:extLst>
                   </p:cNvPr>
-                  <p:cNvSpPr/>
+                  <p:cNvSpPr>
+                    <a:spLocks noGrp="1" noRot="1" noMove="1" noResize="1" noEditPoints="1" noAdjustHandles="1" noChangeArrowheads="1" noChangeShapeType="1"/>
+                  </p:cNvSpPr>
                   <p:nvPr/>
                 </p:nvSpPr>
                 <p:spPr>
@@ -4377,7 +4484,9 @@
                       </a:ext>
                     </a:extLst>
                   </p:cNvPr>
-                  <p:cNvSpPr/>
+                  <p:cNvSpPr>
+                    <a:spLocks noGrp="1" noRot="1" noMove="1" noResize="1" noEditPoints="1" noAdjustHandles="1" noChangeArrowheads="1" noChangeShapeType="1"/>
+                  </p:cNvSpPr>
                   <p:nvPr/>
                 </p:nvSpPr>
                 <p:spPr>
@@ -4485,7 +4594,9 @@
                       </a:ext>
                     </a:extLst>
                   </p:cNvPr>
-                  <p:cNvSpPr/>
+                  <p:cNvSpPr>
+                    <a:spLocks noGrp="1" noRot="1" noMove="1" noResize="1" noEditPoints="1" noAdjustHandles="1" noChangeArrowheads="1" noChangeShapeType="1"/>
+                  </p:cNvSpPr>
                   <p:nvPr/>
                 </p:nvSpPr>
                 <p:spPr>
@@ -4684,7 +4795,9 @@
                       </a:ext>
                     </a:extLst>
                   </p:cNvPr>
-                  <p:cNvSpPr/>
+                  <p:cNvSpPr>
+                    <a:spLocks noGrp="1" noRot="1" noMove="1" noResize="1" noEditPoints="1" noAdjustHandles="1" noChangeArrowheads="1" noChangeShapeType="1"/>
+                  </p:cNvSpPr>
                   <p:nvPr/>
                 </p:nvSpPr>
                 <p:spPr>
@@ -4783,7 +4896,9 @@
                       </a:ext>
                     </a:extLst>
                   </p:cNvPr>
-                  <p:cNvSpPr/>
+                  <p:cNvSpPr>
+                    <a:spLocks noGrp="1" noRot="1" noMove="1" noResize="1" noEditPoints="1" noAdjustHandles="1" noChangeArrowheads="1" noChangeShapeType="1"/>
+                  </p:cNvSpPr>
                   <p:nvPr/>
                 </p:nvSpPr>
                 <p:spPr>
@@ -4894,7 +5009,9 @@
                       </a:ext>
                     </a:extLst>
                   </p:cNvPr>
-                  <p:cNvSpPr/>
+                  <p:cNvSpPr>
+                    <a:spLocks noGrp="1" noRot="1" noMove="1" noResize="1" noEditPoints="1" noAdjustHandles="1" noChangeArrowheads="1" noChangeShapeType="1"/>
+                  </p:cNvSpPr>
                   <p:nvPr/>
                 </p:nvSpPr>
                 <p:spPr>
@@ -5038,7 +5155,9 @@
                       </a:ext>
                     </a:extLst>
                   </p:cNvPr>
-                  <p:cNvSpPr/>
+                  <p:cNvSpPr>
+                    <a:spLocks noGrp="1" noRot="1" noMove="1" noResize="1" noEditPoints="1" noAdjustHandles="1" noChangeArrowheads="1" noChangeShapeType="1"/>
+                  </p:cNvSpPr>
                   <p:nvPr/>
                 </p:nvSpPr>
                 <p:spPr>
@@ -5152,7 +5271,9 @@
                       </a:ext>
                     </a:extLst>
                   </p:cNvPr>
-                  <p:cNvSpPr/>
+                  <p:cNvSpPr>
+                    <a:spLocks noGrp="1" noRot="1" noMove="1" noResize="1" noEditPoints="1" noAdjustHandles="1" noChangeArrowheads="1" noChangeShapeType="1"/>
+                  </p:cNvSpPr>
                   <p:nvPr/>
                 </p:nvSpPr>
                 <p:spPr>
@@ -5296,7 +5417,9 @@
                       </a:ext>
                     </a:extLst>
                   </p:cNvPr>
-                  <p:cNvSpPr/>
+                  <p:cNvSpPr>
+                    <a:spLocks noGrp="1" noRot="1" noMove="1" noResize="1" noEditPoints="1" noAdjustHandles="1" noChangeArrowheads="1" noChangeShapeType="1"/>
+                  </p:cNvSpPr>
                   <p:nvPr/>
                 </p:nvSpPr>
                 <p:spPr>
@@ -5405,7 +5528,9 @@
                       </a:ext>
                     </a:extLst>
                   </p:cNvPr>
-                  <p:cNvSpPr/>
+                  <p:cNvSpPr>
+                    <a:spLocks noGrp="1" noRot="1" noMove="1" noResize="1" noEditPoints="1" noAdjustHandles="1" noChangeArrowheads="1" noChangeShapeType="1"/>
+                  </p:cNvSpPr>
                   <p:nvPr/>
                 </p:nvSpPr>
                 <p:spPr>
@@ -5564,7 +5689,9 @@
                       </a:ext>
                     </a:extLst>
                   </p:cNvPr>
-                  <p:cNvSpPr/>
+                  <p:cNvSpPr>
+                    <a:spLocks noGrp="1" noRot="1" noMove="1" noResize="1" noEditPoints="1" noAdjustHandles="1" noChangeArrowheads="1" noChangeShapeType="1"/>
+                  </p:cNvSpPr>
                   <p:nvPr/>
                 </p:nvSpPr>
                 <p:spPr>
@@ -5678,7 +5805,9 @@
                       </a:ext>
                     </a:extLst>
                   </p:cNvPr>
-                  <p:cNvSpPr/>
+                  <p:cNvSpPr>
+                    <a:spLocks noGrp="1" noRot="1" noMove="1" noResize="1" noEditPoints="1" noAdjustHandles="1" noChangeArrowheads="1" noChangeShapeType="1"/>
+                  </p:cNvSpPr>
                   <p:nvPr/>
                 </p:nvSpPr>
                 <p:spPr>
@@ -5845,7 +5974,9 @@
                       </a:ext>
                     </a:extLst>
                   </p:cNvPr>
-                  <p:cNvSpPr/>
+                  <p:cNvSpPr>
+                    <a:spLocks noGrp="1" noRot="1" noMove="1" noResize="1" noEditPoints="1" noAdjustHandles="1" noChangeArrowheads="1" noChangeShapeType="1"/>
+                  </p:cNvSpPr>
                   <p:nvPr/>
                 </p:nvSpPr>
                 <p:spPr>
@@ -5959,7 +6090,9 @@
                       </a:ext>
                     </a:extLst>
                   </p:cNvPr>
-                  <p:cNvSpPr/>
+                  <p:cNvSpPr>
+                    <a:spLocks noGrp="1" noRot="1" noMove="1" noResize="1" noEditPoints="1" noAdjustHandles="1" noChangeArrowheads="1" noChangeShapeType="1"/>
+                  </p:cNvSpPr>
                   <p:nvPr/>
                 </p:nvSpPr>
                 <p:spPr>
@@ -6153,7 +6286,9 @@
                       </a:ext>
                     </a:extLst>
                   </p:cNvPr>
-                  <p:cNvSpPr/>
+                  <p:cNvSpPr>
+                    <a:spLocks noGrp="1" noRot="1" noMove="1" noResize="1" noEditPoints="1" noAdjustHandles="1" noChangeArrowheads="1" noChangeShapeType="1"/>
+                  </p:cNvSpPr>
                   <p:nvPr/>
                 </p:nvSpPr>
                 <p:spPr>
@@ -6272,7 +6407,9 @@
                       </a:ext>
                     </a:extLst>
                   </p:cNvPr>
-                  <p:cNvSpPr/>
+                  <p:cNvSpPr>
+                    <a:spLocks noGrp="1" noRot="1" noMove="1" noResize="1" noEditPoints="1" noAdjustHandles="1" noChangeArrowheads="1" noChangeShapeType="1"/>
+                  </p:cNvSpPr>
                   <p:nvPr/>
                 </p:nvSpPr>
                 <p:spPr>
@@ -6456,7 +6593,9 @@
                       </a:ext>
                     </a:extLst>
                   </p:cNvPr>
-                  <p:cNvSpPr/>
+                  <p:cNvSpPr>
+                    <a:spLocks noGrp="1" noRot="1" noMove="1" noResize="1" noEditPoints="1" noAdjustHandles="1" noChangeArrowheads="1" noChangeShapeType="1"/>
+                  </p:cNvSpPr>
                   <p:nvPr/>
                 </p:nvSpPr>
                 <p:spPr>
@@ -6560,7 +6699,9 @@
                       </a:ext>
                     </a:extLst>
                   </p:cNvPr>
-                  <p:cNvSpPr/>
+                  <p:cNvSpPr>
+                    <a:spLocks noGrp="1" noRot="1" noMove="1" noResize="1" noEditPoints="1" noAdjustHandles="1" noChangeArrowheads="1" noChangeShapeType="1"/>
+                  </p:cNvSpPr>
                   <p:nvPr/>
                 </p:nvSpPr>
                 <p:spPr>
@@ -6739,7 +6880,9 @@
                       </a:ext>
                     </a:extLst>
                   </p:cNvPr>
-                  <p:cNvSpPr/>
+                  <p:cNvSpPr>
+                    <a:spLocks noGrp="1" noRot="1" noMove="1" noResize="1" noEditPoints="1" noAdjustHandles="1" noChangeArrowheads="1" noChangeShapeType="1"/>
+                  </p:cNvSpPr>
                   <p:nvPr/>
                 </p:nvSpPr>
                 <p:spPr>
@@ -6828,7 +6971,9 @@
                       </a:ext>
                     </a:extLst>
                   </p:cNvPr>
-                  <p:cNvSpPr/>
+                  <p:cNvSpPr>
+                    <a:spLocks noGrp="1" noRot="1" noMove="1" noResize="1" noEditPoints="1" noAdjustHandles="1" noChangeArrowheads="1" noChangeShapeType="1"/>
+                  </p:cNvSpPr>
                   <p:nvPr/>
                 </p:nvSpPr>
                 <p:spPr>
@@ -6997,7 +7142,9 @@
                       </a:ext>
                     </a:extLst>
                   </p:cNvPr>
-                  <p:cNvSpPr/>
+                  <p:cNvSpPr>
+                    <a:spLocks noGrp="1" noRot="1" noMove="1" noResize="1" noEditPoints="1" noAdjustHandles="1" noChangeArrowheads="1" noChangeShapeType="1"/>
+                  </p:cNvSpPr>
                   <p:nvPr/>
                 </p:nvSpPr>
                 <p:spPr>
@@ -7091,7 +7238,9 @@
                       </a:ext>
                     </a:extLst>
                   </p:cNvPr>
-                  <p:cNvSpPr/>
+                  <p:cNvSpPr>
+                    <a:spLocks noGrp="1" noRot="1" noMove="1" noResize="1" noEditPoints="1" noAdjustHandles="1" noChangeArrowheads="1" noChangeShapeType="1"/>
+                  </p:cNvSpPr>
                   <p:nvPr/>
                 </p:nvSpPr>
                 <p:spPr>
@@ -7273,7 +7422,9 @@
                       </a:ext>
                     </a:extLst>
                   </p:cNvPr>
-                  <p:cNvSpPr/>
+                  <p:cNvSpPr>
+                    <a:spLocks noGrp="1" noRot="1" noMove="1" noResize="1" noEditPoints="1" noAdjustHandles="1" noChangeArrowheads="1" noChangeShapeType="1"/>
+                  </p:cNvSpPr>
                   <p:nvPr/>
                 </p:nvSpPr>
                 <p:spPr>
@@ -7442,7 +7593,9 @@
                       </a:ext>
                     </a:extLst>
                   </p:cNvPr>
-                  <p:cNvSpPr/>
+                  <p:cNvSpPr>
+                    <a:spLocks noGrp="1" noRot="1" noMove="1" noResize="1" noEditPoints="1" noAdjustHandles="1" noChangeArrowheads="1" noChangeShapeType="1"/>
+                  </p:cNvSpPr>
                   <p:nvPr/>
                 </p:nvSpPr>
                 <p:spPr>
@@ -7606,7 +7759,9 @@
                       </a:ext>
                     </a:extLst>
                   </p:cNvPr>
-                  <p:cNvSpPr/>
+                  <p:cNvSpPr>
+                    <a:spLocks noGrp="1" noRot="1" noMove="1" noResize="1" noEditPoints="1" noAdjustHandles="1" noChangeArrowheads="1" noChangeShapeType="1"/>
+                  </p:cNvSpPr>
                   <p:nvPr/>
                 </p:nvSpPr>
                 <p:spPr>
@@ -7785,7 +7940,9 @@
                       </a:ext>
                     </a:extLst>
                   </p:cNvPr>
-                  <p:cNvSpPr/>
+                  <p:cNvSpPr>
+                    <a:spLocks noGrp="1" noRot="1" noMove="1" noResize="1" noEditPoints="1" noAdjustHandles="1" noChangeArrowheads="1" noChangeShapeType="1"/>
+                  </p:cNvSpPr>
                   <p:nvPr/>
                 </p:nvSpPr>
                 <p:spPr>
@@ -7942,7 +8099,9 @@
                       </a:ext>
                     </a:extLst>
                   </p:cNvPr>
-                  <p:cNvSpPr/>
+                  <p:cNvSpPr>
+                    <a:spLocks noGrp="1" noRot="1" noMove="1" noResize="1" noEditPoints="1" noAdjustHandles="1" noChangeArrowheads="1" noChangeShapeType="1"/>
+                  </p:cNvSpPr>
                   <p:nvPr/>
                 </p:nvSpPr>
                 <p:spPr>
@@ -8116,7 +8275,9 @@
                       </a:ext>
                     </a:extLst>
                   </p:cNvPr>
-                  <p:cNvSpPr/>
+                  <p:cNvSpPr>
+                    <a:spLocks noGrp="1" noRot="1" noMove="1" noResize="1" noEditPoints="1" noAdjustHandles="1" noChangeArrowheads="1" noChangeShapeType="1"/>
+                  </p:cNvSpPr>
                   <p:nvPr/>
                 </p:nvSpPr>
                 <p:spPr>
@@ -8285,7 +8446,9 @@
                       </a:ext>
                     </a:extLst>
                   </p:cNvPr>
-                  <p:cNvSpPr/>
+                  <p:cNvSpPr>
+                    <a:spLocks noGrp="1" noRot="1" noMove="1" noResize="1" noEditPoints="1" noAdjustHandles="1" noChangeArrowheads="1" noChangeShapeType="1"/>
+                  </p:cNvSpPr>
                   <p:nvPr/>
                 </p:nvSpPr>
                 <p:spPr>
@@ -8434,7 +8597,9 @@
                       </a:ext>
                     </a:extLst>
                   </p:cNvPr>
-                  <p:cNvSpPr/>
+                  <p:cNvSpPr>
+                    <a:spLocks noGrp="1" noRot="1" noMove="1" noResize="1" noEditPoints="1" noAdjustHandles="1" noChangeArrowheads="1" noChangeShapeType="1"/>
+                  </p:cNvSpPr>
                   <p:nvPr/>
                 </p:nvSpPr>
                 <p:spPr>
@@ -8593,7 +8758,9 @@
                       </a:ext>
                     </a:extLst>
                   </p:cNvPr>
-                  <p:cNvSpPr/>
+                  <p:cNvSpPr>
+                    <a:spLocks noGrp="1" noRot="1" noMove="1" noResize="1" noEditPoints="1" noAdjustHandles="1" noChangeArrowheads="1" noChangeShapeType="1"/>
+                  </p:cNvSpPr>
                   <p:nvPr/>
                 </p:nvSpPr>
                 <p:spPr>
@@ -8712,7 +8879,9 @@
                       </a:ext>
                     </a:extLst>
                   </p:cNvPr>
-                  <p:cNvSpPr/>
+                  <p:cNvSpPr>
+                    <a:spLocks noGrp="1" noRot="1" noMove="1" noResize="1" noEditPoints="1" noAdjustHandles="1" noChangeArrowheads="1" noChangeShapeType="1"/>
+                  </p:cNvSpPr>
                   <p:nvPr/>
                 </p:nvSpPr>
                 <p:spPr>
@@ -8821,7 +8990,9 @@
                       </a:ext>
                     </a:extLst>
                   </p:cNvPr>
-                  <p:cNvSpPr/>
+                  <p:cNvSpPr>
+                    <a:spLocks noGrp="1" noRot="1" noMove="1" noResize="1" noEditPoints="1" noAdjustHandles="1" noChangeArrowheads="1" noChangeShapeType="1"/>
+                  </p:cNvSpPr>
                   <p:nvPr/>
                 </p:nvSpPr>
                 <p:spPr>
@@ -8922,7 +9093,9 @@
                   </a:ext>
                 </a:extLst>
               </p:cNvPr>
-              <p:cNvSpPr txBox="1"/>
+              <p:cNvSpPr txBox="1">
+                <a:spLocks noGrp="1" noRot="1" noMove="1" noResize="1" noEditPoints="1" noAdjustHandles="1" noChangeArrowheads="1" noChangeShapeType="1"/>
+              </p:cNvSpPr>
               <p:nvPr/>
             </p:nvSpPr>
             <p:spPr>
@@ -8982,7 +9155,9 @@
                 </a:ext>
               </a:extLst>
             </p:cNvPr>
-            <p:cNvGrpSpPr/>
+            <p:cNvGrpSpPr>
+              <a:grpSpLocks noGrp="1" noUngrp="1" noRot="1" noMove="1" noResize="1"/>
+            </p:cNvGrpSpPr>
             <p:nvPr/>
           </p:nvGrpSpPr>
           <p:grpSpPr>
@@ -9002,7 +9177,9 @@
                   </a:ext>
                 </a:extLst>
               </p:cNvPr>
-              <p:cNvGrpSpPr/>
+              <p:cNvGrpSpPr>
+                <a:grpSpLocks noGrp="1" noUngrp="1" noRot="1" noMove="1" noResize="1"/>
+              </p:cNvGrpSpPr>
               <p:nvPr/>
             </p:nvGrpSpPr>
             <p:grpSpPr>
@@ -9022,7 +9199,9 @@
                     </a:ext>
                   </a:extLst>
                 </p:cNvPr>
-                <p:cNvSpPr/>
+                <p:cNvSpPr>
+                  <a:spLocks noGrp="1" noRot="1" noMove="1" noResize="1" noEditPoints="1" noAdjustHandles="1" noChangeArrowheads="1" noChangeShapeType="1"/>
+                </p:cNvSpPr>
                 <p:nvPr/>
               </p:nvSpPr>
               <p:spPr>
@@ -9195,7 +9374,9 @@
                     </a:ext>
                   </a:extLst>
                 </p:cNvPr>
-                <p:cNvGrpSpPr/>
+                <p:cNvGrpSpPr>
+                  <a:grpSpLocks noGrp="1" noUngrp="1" noRot="1" noMove="1" noResize="1"/>
+                </p:cNvGrpSpPr>
                 <p:nvPr/>
               </p:nvGrpSpPr>
               <p:grpSpPr>
@@ -9215,7 +9396,9 @@
                       </a:ext>
                     </a:extLst>
                   </p:cNvPr>
-                  <p:cNvSpPr/>
+                  <p:cNvSpPr>
+                    <a:spLocks noGrp="1" noRot="1" noMove="1" noResize="1" noEditPoints="1" noAdjustHandles="1" noChangeArrowheads="1" noChangeShapeType="1"/>
+                  </p:cNvSpPr>
                   <p:nvPr/>
                 </p:nvSpPr>
                 <p:spPr>
@@ -9504,7 +9687,9 @@
                       </a:ext>
                     </a:extLst>
                   </p:cNvPr>
-                  <p:cNvSpPr/>
+                  <p:cNvSpPr>
+                    <a:spLocks noGrp="1" noRot="1" noMove="1" noResize="1" noEditPoints="1" noAdjustHandles="1" noChangeArrowheads="1" noChangeShapeType="1"/>
+                  </p:cNvSpPr>
                   <p:nvPr/>
                 </p:nvSpPr>
                 <p:spPr>
@@ -9660,7 +9845,9 @@
                       </a:ext>
                     </a:extLst>
                   </p:cNvPr>
-                  <p:cNvSpPr/>
+                  <p:cNvSpPr>
+                    <a:spLocks noGrp="1" noRot="1" noMove="1" noResize="1" noEditPoints="1" noAdjustHandles="1" noChangeArrowheads="1" noChangeShapeType="1"/>
+                  </p:cNvSpPr>
                   <p:nvPr/>
                 </p:nvSpPr>
                 <p:spPr>
@@ -9962,7 +10149,9 @@
                       </a:ext>
                     </a:extLst>
                   </p:cNvPr>
-                  <p:cNvSpPr/>
+                  <p:cNvSpPr>
+                    <a:spLocks noGrp="1" noRot="1" noMove="1" noResize="1" noEditPoints="1" noAdjustHandles="1" noChangeArrowheads="1" noChangeShapeType="1"/>
+                  </p:cNvSpPr>
                   <p:nvPr/>
                 </p:nvSpPr>
                 <p:spPr>
@@ -10108,7 +10297,9 @@
                       </a:ext>
                     </a:extLst>
                   </p:cNvPr>
-                  <p:cNvSpPr/>
+                  <p:cNvSpPr>
+                    <a:spLocks noGrp="1" noRot="1" noMove="1" noResize="1" noEditPoints="1" noAdjustHandles="1" noChangeArrowheads="1" noChangeShapeType="1"/>
+                  </p:cNvSpPr>
                   <p:nvPr/>
                 </p:nvSpPr>
                 <p:spPr>
@@ -10437,7 +10628,9 @@
                       </a:ext>
                     </a:extLst>
                   </p:cNvPr>
-                  <p:cNvSpPr/>
+                  <p:cNvSpPr>
+                    <a:spLocks noGrp="1" noRot="1" noMove="1" noResize="1" noEditPoints="1" noAdjustHandles="1" noChangeArrowheads="1" noChangeShapeType="1"/>
+                  </p:cNvSpPr>
                   <p:nvPr/>
                 </p:nvSpPr>
                 <p:spPr>
@@ -10588,7 +10781,9 @@
                       </a:ext>
                     </a:extLst>
                   </p:cNvPr>
-                  <p:cNvSpPr/>
+                  <p:cNvSpPr>
+                    <a:spLocks noGrp="1" noRot="1" noMove="1" noResize="1" noEditPoints="1" noAdjustHandles="1" noChangeArrowheads="1" noChangeShapeType="1"/>
+                  </p:cNvSpPr>
                   <p:nvPr/>
                 </p:nvSpPr>
                 <p:spPr>
@@ -10922,7 +11117,9 @@
                       </a:ext>
                     </a:extLst>
                   </p:cNvPr>
-                  <p:cNvSpPr/>
+                  <p:cNvSpPr>
+                    <a:spLocks noGrp="1" noRot="1" noMove="1" noResize="1" noEditPoints="1" noAdjustHandles="1" noChangeArrowheads="1" noChangeShapeType="1"/>
+                  </p:cNvSpPr>
                   <p:nvPr/>
                 </p:nvSpPr>
                 <p:spPr>
@@ -11186,7 +11383,9 @@
                       </a:ext>
                     </a:extLst>
                   </p:cNvPr>
-                  <p:cNvSpPr/>
+                  <p:cNvSpPr>
+                    <a:spLocks noGrp="1" noRot="1" noMove="1" noResize="1" noEditPoints="1" noAdjustHandles="1" noChangeArrowheads="1" noChangeShapeType="1"/>
+                  </p:cNvSpPr>
                   <p:nvPr/>
                 </p:nvSpPr>
                 <p:spPr>
@@ -11480,7 +11679,9 @@
                   </a:ext>
                 </a:extLst>
               </p:cNvPr>
-              <p:cNvSpPr txBox="1"/>
+              <p:cNvSpPr txBox="1">
+                <a:spLocks noGrp="1" noRot="1" noMove="1" noResize="1" noEditPoints="1" noAdjustHandles="1" noChangeArrowheads="1" noChangeShapeType="1"/>
+              </p:cNvSpPr>
               <p:nvPr/>
             </p:nvSpPr>
             <p:spPr>
@@ -11542,7 +11743,9 @@
                 </a:ext>
               </a:extLst>
             </p:cNvPr>
-            <p:cNvSpPr/>
+            <p:cNvSpPr>
+              <a:spLocks noGrp="1" noRot="1" noMove="1" noResize="1" noEditPoints="1" noAdjustHandles="1" noChangeArrowheads="1" noChangeShapeType="1"/>
+            </p:cNvSpPr>
             <p:nvPr/>
           </p:nvSpPr>
           <p:spPr>
@@ -11596,7 +11799,9 @@
                 </a:ext>
               </a:extLst>
             </p:cNvPr>
-            <p:cNvSpPr txBox="1"/>
+            <p:cNvSpPr txBox="1">
+              <a:spLocks noGrp="1" noRot="1" noMove="1" noResize="1" noEditPoints="1" noAdjustHandles="1" noChangeArrowheads="1" noChangeShapeType="1"/>
+            </p:cNvSpPr>
             <p:nvPr/>
           </p:nvSpPr>
           <p:spPr>
@@ -11694,7 +11899,9 @@
               </a:ext>
             </a:extLst>
           </p:cNvPr>
-          <p:cNvSpPr txBox="1"/>
+          <p:cNvSpPr txBox="1">
+            <a:spLocks noGrp="1" noRot="1" noMove="1" noResize="1" noEditPoints="1" noAdjustHandles="1" noChangeArrowheads="1" noChangeShapeType="1"/>
+          </p:cNvSpPr>
           <p:nvPr/>
         </p:nvSpPr>
         <p:spPr>
@@ -11806,7 +12013,9 @@
               </a:ext>
             </a:extLst>
           </p:cNvPr>
-          <p:cNvGrpSpPr/>
+          <p:cNvGrpSpPr>
+            <a:grpSpLocks noGrp="1" noUngrp="1" noRot="1" noMove="1" noResize="1"/>
+          </p:cNvGrpSpPr>
           <p:nvPr/>
         </p:nvGrpSpPr>
         <p:grpSpPr>
@@ -11826,7 +12035,9 @@
                 </a:ext>
               </a:extLst>
             </p:cNvPr>
-            <p:cNvGrpSpPr/>
+            <p:cNvGrpSpPr>
+              <a:grpSpLocks noGrp="1" noUngrp="1" noRot="1" noMove="1" noResize="1"/>
+            </p:cNvGrpSpPr>
             <p:nvPr/>
           </p:nvGrpSpPr>
           <p:grpSpPr>
@@ -11852,7 +12063,9 @@
                   </a:ext>
                 </a:extLst>
               </p:cNvPr>
-              <p:cNvSpPr/>
+              <p:cNvSpPr>
+                <a:spLocks noGrp="1" noRot="1" noMove="1" noResize="1" noEditPoints="1" noAdjustHandles="1" noChangeArrowheads="1" noChangeShapeType="1"/>
+              </p:cNvSpPr>
               <p:nvPr/>
             </p:nvSpPr>
             <p:spPr>
@@ -12511,7 +12724,9 @@
                   </a:ext>
                 </a:extLst>
               </p:cNvPr>
-              <p:cNvSpPr/>
+              <p:cNvSpPr>
+                <a:spLocks noGrp="1" noRot="1" noMove="1" noResize="1" noEditPoints="1" noAdjustHandles="1" noChangeArrowheads="1" noChangeShapeType="1"/>
+              </p:cNvSpPr>
               <p:nvPr/>
             </p:nvSpPr>
             <p:spPr>
@@ -13410,7 +13625,9 @@
                   </a:ext>
                 </a:extLst>
               </p:cNvPr>
-              <p:cNvSpPr/>
+              <p:cNvSpPr>
+                <a:spLocks noGrp="1" noRot="1" noMove="1" noResize="1" noEditPoints="1" noAdjustHandles="1" noChangeArrowheads="1" noChangeShapeType="1"/>
+              </p:cNvSpPr>
               <p:nvPr/>
             </p:nvSpPr>
             <p:spPr>
@@ -13689,7 +13906,9 @@
                   </a:ext>
                 </a:extLst>
               </p:cNvPr>
-              <p:cNvSpPr/>
+              <p:cNvSpPr>
+                <a:spLocks noGrp="1" noRot="1" noMove="1" noResize="1" noEditPoints="1" noAdjustHandles="1" noChangeArrowheads="1" noChangeShapeType="1"/>
+              </p:cNvSpPr>
               <p:nvPr/>
             </p:nvSpPr>
             <p:spPr>
@@ -15088,7 +15307,9 @@
                   </a:ext>
                 </a:extLst>
               </p:cNvPr>
-              <p:cNvSpPr/>
+              <p:cNvSpPr>
+                <a:spLocks noGrp="1" noRot="1" noMove="1" noResize="1" noEditPoints="1" noAdjustHandles="1" noChangeArrowheads="1" noChangeShapeType="1"/>
+              </p:cNvSpPr>
               <p:nvPr/>
             </p:nvSpPr>
             <p:spPr>
@@ -15357,7 +15578,9 @@
                   </a:ext>
                 </a:extLst>
               </p:cNvPr>
-              <p:cNvSpPr/>
+              <p:cNvSpPr>
+                <a:spLocks noGrp="1" noRot="1" noMove="1" noResize="1" noEditPoints="1" noAdjustHandles="1" noChangeArrowheads="1" noChangeShapeType="1"/>
+              </p:cNvSpPr>
               <p:nvPr/>
             </p:nvSpPr>
             <p:spPr>
@@ -15556,7 +15779,9 @@
                   </a:ext>
                 </a:extLst>
               </p:cNvPr>
-              <p:cNvSpPr/>
+              <p:cNvSpPr>
+                <a:spLocks noGrp="1" noRot="1" noMove="1" noResize="1" noEditPoints="1" noAdjustHandles="1" noChangeArrowheads="1" noChangeShapeType="1"/>
+              </p:cNvSpPr>
               <p:nvPr/>
             </p:nvSpPr>
             <p:spPr>
@@ -15705,7 +15930,9 @@
                   </a:ext>
                 </a:extLst>
               </p:cNvPr>
-              <p:cNvSpPr/>
+              <p:cNvSpPr>
+                <a:spLocks noGrp="1" noRot="1" noMove="1" noResize="1" noEditPoints="1" noAdjustHandles="1" noChangeArrowheads="1" noChangeShapeType="1"/>
+              </p:cNvSpPr>
               <p:nvPr/>
             </p:nvSpPr>
             <p:spPr>
@@ -15904,7 +16131,9 @@
                   </a:ext>
                 </a:extLst>
               </p:cNvPr>
-              <p:cNvSpPr/>
+              <p:cNvSpPr>
+                <a:spLocks noGrp="1" noRot="1" noMove="1" noResize="1" noEditPoints="1" noAdjustHandles="1" noChangeArrowheads="1" noChangeShapeType="1"/>
+              </p:cNvSpPr>
               <p:nvPr/>
             </p:nvSpPr>
             <p:spPr>
@@ -16093,7 +16322,9 @@
                   </a:ext>
                 </a:extLst>
               </p:cNvPr>
-              <p:cNvSpPr/>
+              <p:cNvSpPr>
+                <a:spLocks noGrp="1" noRot="1" noMove="1" noResize="1" noEditPoints="1" noAdjustHandles="1" noChangeArrowheads="1" noChangeShapeType="1"/>
+              </p:cNvSpPr>
               <p:nvPr/>
             </p:nvSpPr>
             <p:spPr>
@@ -16372,7 +16603,9 @@
                   </a:ext>
                 </a:extLst>
               </p:cNvPr>
-              <p:cNvSpPr/>
+              <p:cNvSpPr>
+                <a:spLocks noGrp="1" noRot="1" noMove="1" noResize="1" noEditPoints="1" noAdjustHandles="1" noChangeArrowheads="1" noChangeShapeType="1"/>
+              </p:cNvSpPr>
               <p:nvPr/>
             </p:nvSpPr>
             <p:spPr>
@@ -16501,7 +16734,9 @@
                   </a:ext>
                 </a:extLst>
               </p:cNvPr>
-              <p:cNvSpPr/>
+              <p:cNvSpPr>
+                <a:spLocks noGrp="1" noRot="1" noMove="1" noResize="1" noEditPoints="1" noAdjustHandles="1" noChangeArrowheads="1" noChangeShapeType="1"/>
+              </p:cNvSpPr>
               <p:nvPr/>
             </p:nvSpPr>
             <p:spPr>
@@ -16660,7 +16895,9 @@
                   </a:ext>
                 </a:extLst>
               </p:cNvPr>
-              <p:cNvSpPr/>
+              <p:cNvSpPr>
+                <a:spLocks noGrp="1" noRot="1" noMove="1" noResize="1" noEditPoints="1" noAdjustHandles="1" noChangeArrowheads="1" noChangeShapeType="1"/>
+              </p:cNvSpPr>
               <p:nvPr/>
             </p:nvSpPr>
             <p:spPr>
@@ -16789,7 +17026,9 @@
                   </a:ext>
                 </a:extLst>
               </p:cNvPr>
-              <p:cNvSpPr/>
+              <p:cNvSpPr>
+                <a:spLocks noGrp="1" noRot="1" noMove="1" noResize="1" noEditPoints="1" noAdjustHandles="1" noChangeArrowheads="1" noChangeShapeType="1"/>
+              </p:cNvSpPr>
               <p:nvPr/>
             </p:nvSpPr>
             <p:spPr>
@@ -16928,7 +17167,9 @@
                   </a:ext>
                 </a:extLst>
               </p:cNvPr>
-              <p:cNvSpPr/>
+              <p:cNvSpPr>
+                <a:spLocks noGrp="1" noRot="1" noMove="1" noResize="1" noEditPoints="1" noAdjustHandles="1" noChangeArrowheads="1" noChangeShapeType="1"/>
+              </p:cNvSpPr>
               <p:nvPr/>
             </p:nvSpPr>
             <p:spPr>
@@ -17087,7 +17328,9 @@
                   </a:ext>
                 </a:extLst>
               </p:cNvPr>
-              <p:cNvSpPr/>
+              <p:cNvSpPr>
+                <a:spLocks noGrp="1" noRot="1" noMove="1" noResize="1" noEditPoints="1" noAdjustHandles="1" noChangeArrowheads="1" noChangeShapeType="1"/>
+              </p:cNvSpPr>
               <p:nvPr/>
             </p:nvSpPr>
             <p:spPr>
@@ -17314,7 +17557,9 @@
                   </a:ext>
                 </a:extLst>
               </p:cNvPr>
-              <p:cNvSpPr/>
+              <p:cNvSpPr>
+                <a:spLocks noGrp="1" noRot="1" noMove="1" noResize="1" noEditPoints="1" noAdjustHandles="1" noChangeArrowheads="1" noChangeShapeType="1"/>
+              </p:cNvSpPr>
               <p:nvPr/>
             </p:nvSpPr>
             <p:spPr>
@@ -17413,7 +17658,9 @@
                   </a:ext>
                 </a:extLst>
               </p:cNvPr>
-              <p:cNvSpPr/>
+              <p:cNvSpPr>
+                <a:spLocks noGrp="1" noRot="1" noMove="1" noResize="1" noEditPoints="1" noAdjustHandles="1" noChangeArrowheads="1" noChangeShapeType="1"/>
+              </p:cNvSpPr>
               <p:nvPr/>
             </p:nvSpPr>
             <p:spPr>
@@ -17542,7 +17789,9 @@
                   </a:ext>
                 </a:extLst>
               </p:cNvPr>
-              <p:cNvSpPr/>
+              <p:cNvSpPr>
+                <a:spLocks noGrp="1" noRot="1" noMove="1" noResize="1" noEditPoints="1" noAdjustHandles="1" noChangeArrowheads="1" noChangeShapeType="1"/>
+              </p:cNvSpPr>
               <p:nvPr/>
             </p:nvSpPr>
             <p:spPr>
@@ -17651,7 +17900,9 @@
                   </a:ext>
                 </a:extLst>
               </p:cNvPr>
-              <p:cNvSpPr/>
+              <p:cNvSpPr>
+                <a:spLocks noGrp="1" noRot="1" noMove="1" noResize="1" noEditPoints="1" noAdjustHandles="1" noChangeArrowheads="1" noChangeShapeType="1"/>
+              </p:cNvSpPr>
               <p:nvPr/>
             </p:nvSpPr>
             <p:spPr>
@@ -17790,7 +18041,9 @@
                   </a:ext>
                 </a:extLst>
               </p:cNvPr>
-              <p:cNvSpPr/>
+              <p:cNvSpPr>
+                <a:spLocks noGrp="1" noRot="1" noMove="1" noResize="1" noEditPoints="1" noAdjustHandles="1" noChangeArrowheads="1" noChangeShapeType="1"/>
+              </p:cNvSpPr>
               <p:nvPr/>
             </p:nvSpPr>
             <p:spPr>
@@ -17949,7 +18202,9 @@
                   </a:ext>
                 </a:extLst>
               </p:cNvPr>
-              <p:cNvSpPr/>
+              <p:cNvSpPr>
+                <a:spLocks noGrp="1" noRot="1" noMove="1" noResize="1" noEditPoints="1" noAdjustHandles="1" noChangeArrowheads="1" noChangeShapeType="1"/>
+              </p:cNvSpPr>
               <p:nvPr/>
             </p:nvSpPr>
             <p:spPr>
@@ -18068,7 +18323,9 @@
                   </a:ext>
                 </a:extLst>
               </p:cNvPr>
-              <p:cNvSpPr/>
+              <p:cNvSpPr>
+                <a:spLocks noGrp="1" noRot="1" noMove="1" noResize="1" noEditPoints="1" noAdjustHandles="1" noChangeArrowheads="1" noChangeShapeType="1"/>
+              </p:cNvSpPr>
               <p:nvPr/>
             </p:nvSpPr>
             <p:spPr>
@@ -18167,7 +18424,9 @@
                   </a:ext>
                 </a:extLst>
               </p:cNvPr>
-              <p:cNvSpPr/>
+              <p:cNvSpPr>
+                <a:spLocks noGrp="1" noRot="1" noMove="1" noResize="1" noEditPoints="1" noAdjustHandles="1" noChangeArrowheads="1" noChangeShapeType="1"/>
+              </p:cNvSpPr>
               <p:nvPr/>
             </p:nvSpPr>
             <p:spPr>
@@ -18266,7 +18525,9 @@
                   </a:ext>
                 </a:extLst>
               </p:cNvPr>
-              <p:cNvSpPr/>
+              <p:cNvSpPr>
+                <a:spLocks noGrp="1" noRot="1" noMove="1" noResize="1" noEditPoints="1" noAdjustHandles="1" noChangeArrowheads="1" noChangeShapeType="1"/>
+              </p:cNvSpPr>
               <p:nvPr/>
             </p:nvSpPr>
             <p:spPr>
@@ -18395,7 +18656,9 @@
                   </a:ext>
                 </a:extLst>
               </p:cNvPr>
-              <p:cNvSpPr/>
+              <p:cNvSpPr>
+                <a:spLocks noGrp="1" noRot="1" noMove="1" noResize="1" noEditPoints="1" noAdjustHandles="1" noChangeArrowheads="1" noChangeShapeType="1"/>
+              </p:cNvSpPr>
               <p:nvPr/>
             </p:nvSpPr>
             <p:spPr>
@@ -18494,7 +18757,9 @@
                   </a:ext>
                 </a:extLst>
               </p:cNvPr>
-              <p:cNvSpPr/>
+              <p:cNvSpPr>
+                <a:spLocks noGrp="1" noRot="1" noMove="1" noResize="1" noEditPoints="1" noAdjustHandles="1" noChangeArrowheads="1" noChangeShapeType="1"/>
+              </p:cNvSpPr>
               <p:nvPr/>
             </p:nvSpPr>
             <p:spPr>
@@ -18613,7 +18878,9 @@
                   </a:ext>
                 </a:extLst>
               </p:cNvPr>
-              <p:cNvSpPr/>
+              <p:cNvSpPr>
+                <a:spLocks noGrp="1" noRot="1" noMove="1" noResize="1" noEditPoints="1" noAdjustHandles="1" noChangeArrowheads="1" noChangeShapeType="1"/>
+              </p:cNvSpPr>
               <p:nvPr/>
             </p:nvSpPr>
             <p:spPr>
@@ -18712,7 +18979,9 @@
                   </a:ext>
                 </a:extLst>
               </p:cNvPr>
-              <p:cNvSpPr/>
+              <p:cNvSpPr>
+                <a:spLocks noGrp="1" noRot="1" noMove="1" noResize="1" noEditPoints="1" noAdjustHandles="1" noChangeArrowheads="1" noChangeShapeType="1"/>
+              </p:cNvSpPr>
               <p:nvPr/>
             </p:nvSpPr>
             <p:spPr>
@@ -18851,7 +19120,9 @@
                   </a:ext>
                 </a:extLst>
               </p:cNvPr>
-              <p:cNvSpPr/>
+              <p:cNvSpPr>
+                <a:spLocks noGrp="1" noRot="1" noMove="1" noResize="1" noEditPoints="1" noAdjustHandles="1" noChangeArrowheads="1" noChangeShapeType="1"/>
+              </p:cNvSpPr>
               <p:nvPr/>
             </p:nvSpPr>
             <p:spPr>
@@ -18980,7 +19251,9 @@
                   </a:ext>
                 </a:extLst>
               </p:cNvPr>
-              <p:cNvSpPr/>
+              <p:cNvSpPr>
+                <a:spLocks noGrp="1" noRot="1" noMove="1" noResize="1" noEditPoints="1" noAdjustHandles="1" noChangeArrowheads="1" noChangeShapeType="1"/>
+              </p:cNvSpPr>
               <p:nvPr/>
             </p:nvSpPr>
             <p:spPr>
@@ -19079,7 +19352,9 @@
                   </a:ext>
                 </a:extLst>
               </p:cNvPr>
-              <p:cNvSpPr/>
+              <p:cNvSpPr>
+                <a:spLocks noGrp="1" noRot="1" noMove="1" noResize="1" noEditPoints="1" noAdjustHandles="1" noChangeArrowheads="1" noChangeShapeType="1"/>
+              </p:cNvSpPr>
               <p:nvPr/>
             </p:nvSpPr>
             <p:spPr>
@@ -19208,7 +19483,9 @@
                   </a:ext>
                 </a:extLst>
               </p:cNvPr>
-              <p:cNvSpPr/>
+              <p:cNvSpPr>
+                <a:spLocks noGrp="1" noRot="1" noMove="1" noResize="1" noEditPoints="1" noAdjustHandles="1" noChangeArrowheads="1" noChangeShapeType="1"/>
+              </p:cNvSpPr>
               <p:nvPr/>
             </p:nvSpPr>
             <p:spPr>
@@ -19307,7 +19584,9 @@
                   </a:ext>
                 </a:extLst>
               </p:cNvPr>
-              <p:cNvSpPr/>
+              <p:cNvSpPr>
+                <a:spLocks noGrp="1" noRot="1" noMove="1" noResize="1" noEditPoints="1" noAdjustHandles="1" noChangeArrowheads="1" noChangeShapeType="1"/>
+              </p:cNvSpPr>
               <p:nvPr/>
             </p:nvSpPr>
             <p:spPr>
@@ -19406,7 +19685,9 @@
                   </a:ext>
                 </a:extLst>
               </p:cNvPr>
-              <p:cNvSpPr/>
+              <p:cNvSpPr>
+                <a:spLocks noGrp="1" noRot="1" noMove="1" noResize="1" noEditPoints="1" noAdjustHandles="1" noChangeArrowheads="1" noChangeShapeType="1"/>
+              </p:cNvSpPr>
               <p:nvPr/>
             </p:nvSpPr>
             <p:spPr>
@@ -19515,7 +19796,9 @@
                   </a:ext>
                 </a:extLst>
               </p:cNvPr>
-              <p:cNvSpPr/>
+              <p:cNvSpPr>
+                <a:spLocks noGrp="1" noRot="1" noMove="1" noResize="1" noEditPoints="1" noAdjustHandles="1" noChangeArrowheads="1" noChangeShapeType="1"/>
+              </p:cNvSpPr>
               <p:nvPr/>
             </p:nvSpPr>
             <p:spPr>
@@ -19614,7 +19897,9 @@
                   </a:ext>
                 </a:extLst>
               </p:cNvPr>
-              <p:cNvSpPr/>
+              <p:cNvSpPr>
+                <a:spLocks noGrp="1" noRot="1" noMove="1" noResize="1" noEditPoints="1" noAdjustHandles="1" noChangeArrowheads="1" noChangeShapeType="1"/>
+              </p:cNvSpPr>
               <p:nvPr/>
             </p:nvSpPr>
             <p:spPr>
@@ -19713,7 +19998,9 @@
                   </a:ext>
                 </a:extLst>
               </p:cNvPr>
-              <p:cNvSpPr/>
+              <p:cNvSpPr>
+                <a:spLocks noGrp="1" noRot="1" noMove="1" noResize="1" noEditPoints="1" noAdjustHandles="1" noChangeArrowheads="1" noChangeShapeType="1"/>
+              </p:cNvSpPr>
               <p:nvPr/>
             </p:nvSpPr>
             <p:spPr>
@@ -19812,7 +20099,9 @@
                   </a:ext>
                 </a:extLst>
               </p:cNvPr>
-              <p:cNvSpPr/>
+              <p:cNvSpPr>
+                <a:spLocks noGrp="1" noRot="1" noMove="1" noResize="1" noEditPoints="1" noAdjustHandles="1" noChangeArrowheads="1" noChangeShapeType="1"/>
+              </p:cNvSpPr>
               <p:nvPr/>
             </p:nvSpPr>
             <p:spPr>
@@ -19911,7 +20200,9 @@
                   </a:ext>
                 </a:extLst>
               </p:cNvPr>
-              <p:cNvSpPr/>
+              <p:cNvSpPr>
+                <a:spLocks noGrp="1" noRot="1" noMove="1" noResize="1" noEditPoints="1" noAdjustHandles="1" noChangeArrowheads="1" noChangeShapeType="1"/>
+              </p:cNvSpPr>
               <p:nvPr/>
             </p:nvSpPr>
             <p:spPr>
@@ -20000,7 +20291,9 @@
                   </a:ext>
                 </a:extLst>
               </p:cNvPr>
-              <p:cNvSpPr/>
+              <p:cNvSpPr>
+                <a:spLocks noGrp="1" noRot="1" noMove="1" noResize="1" noEditPoints="1" noAdjustHandles="1" noChangeArrowheads="1" noChangeShapeType="1"/>
+              </p:cNvSpPr>
               <p:nvPr/>
             </p:nvSpPr>
             <p:spPr>
@@ -20089,7 +20382,9 @@
                   </a:ext>
                 </a:extLst>
               </p:cNvPr>
-              <p:cNvSpPr/>
+              <p:cNvSpPr>
+                <a:spLocks noGrp="1" noRot="1" noMove="1" noResize="1" noEditPoints="1" noAdjustHandles="1" noChangeArrowheads="1" noChangeShapeType="1"/>
+              </p:cNvSpPr>
               <p:nvPr/>
             </p:nvSpPr>
             <p:spPr>
@@ -20188,7 +20483,9 @@
                   </a:ext>
                 </a:extLst>
               </p:cNvPr>
-              <p:cNvSpPr/>
+              <p:cNvSpPr>
+                <a:spLocks noGrp="1" noRot="1" noMove="1" noResize="1" noEditPoints="1" noAdjustHandles="1" noChangeArrowheads="1" noChangeShapeType="1"/>
+              </p:cNvSpPr>
               <p:nvPr/>
             </p:nvSpPr>
             <p:spPr>
@@ -20277,7 +20574,9 @@
                   </a:ext>
                 </a:extLst>
               </p:cNvPr>
-              <p:cNvSpPr/>
+              <p:cNvSpPr>
+                <a:spLocks noGrp="1" noRot="1" noMove="1" noResize="1" noEditPoints="1" noAdjustHandles="1" noChangeArrowheads="1" noChangeShapeType="1"/>
+              </p:cNvSpPr>
               <p:nvPr/>
             </p:nvSpPr>
             <p:spPr>
@@ -20387,7 +20686,9 @@
                 </a:ext>
               </a:extLst>
             </p:cNvPr>
-            <p:cNvSpPr txBox="1"/>
+            <p:cNvSpPr txBox="1">
+              <a:spLocks noGrp="1" noRot="1" noMove="1" noResize="1" noEditPoints="1" noAdjustHandles="1" noChangeArrowheads="1" noChangeShapeType="1"/>
+            </p:cNvSpPr>
             <p:nvPr/>
           </p:nvSpPr>
           <p:spPr>
@@ -20431,7 +20732,9 @@
                 </a:ext>
               </a:extLst>
             </p:cNvPr>
-            <p:cNvSpPr txBox="1"/>
+            <p:cNvSpPr txBox="1">
+              <a:spLocks noGrp="1" noRot="1" noMove="1" noResize="1" noEditPoints="1" noAdjustHandles="1" noChangeArrowheads="1" noChangeShapeType="1"/>
+            </p:cNvSpPr>
             <p:nvPr/>
           </p:nvSpPr>
           <p:spPr>
@@ -20475,7 +20778,9 @@
                 </a:ext>
               </a:extLst>
             </p:cNvPr>
-            <p:cNvSpPr txBox="1"/>
+            <p:cNvSpPr txBox="1">
+              <a:spLocks noGrp="1" noRot="1" noMove="1" noResize="1" noEditPoints="1" noAdjustHandles="1" noChangeArrowheads="1" noChangeShapeType="1"/>
+            </p:cNvSpPr>
             <p:nvPr/>
           </p:nvSpPr>
           <p:spPr>
@@ -20519,7 +20824,9 @@
                 </a:ext>
               </a:extLst>
             </p:cNvPr>
-            <p:cNvSpPr txBox="1"/>
+            <p:cNvSpPr txBox="1">
+              <a:spLocks noGrp="1" noRot="1" noMove="1" noResize="1" noEditPoints="1" noAdjustHandles="1" noChangeArrowheads="1" noChangeShapeType="1"/>
+            </p:cNvSpPr>
             <p:nvPr/>
           </p:nvSpPr>
           <p:spPr>
@@ -20562,7 +20869,9 @@
                 </a:ext>
               </a:extLst>
             </p:cNvPr>
-            <p:cNvSpPr txBox="1"/>
+            <p:cNvSpPr txBox="1">
+              <a:spLocks noGrp="1" noRot="1" noMove="1" noResize="1" noEditPoints="1" noAdjustHandles="1" noChangeArrowheads="1" noChangeShapeType="1"/>
+            </p:cNvSpPr>
             <p:nvPr/>
           </p:nvSpPr>
           <p:spPr>
@@ -20605,7 +20914,9 @@
                 </a:ext>
               </a:extLst>
             </p:cNvPr>
-            <p:cNvSpPr txBox="1"/>
+            <p:cNvSpPr txBox="1">
+              <a:spLocks noGrp="1" noRot="1" noMove="1" noResize="1" noEditPoints="1" noAdjustHandles="1" noChangeArrowheads="1" noChangeShapeType="1"/>
+            </p:cNvSpPr>
             <p:nvPr/>
           </p:nvSpPr>
           <p:spPr>
@@ -20649,7 +20960,7 @@
               </a:extLst>
             </p:cNvPr>
             <p:cNvSpPr>
-              <a:spLocks noChangeAspect="1"/>
+              <a:spLocks noGrp="1" noRot="1" noChangeAspect="1" noMove="1" noResize="1" noEditPoints="1" noAdjustHandles="1" noChangeArrowheads="1" noChangeShapeType="1"/>
             </p:cNvSpPr>
             <p:nvPr/>
           </p:nvSpPr>
@@ -21073,7 +21384,9 @@
                 </a:ext>
               </a:extLst>
             </p:cNvPr>
-            <p:cNvSpPr/>
+            <p:cNvSpPr>
+              <a:spLocks noGrp="1" noRot="1" noMove="1" noResize="1" noEditPoints="1" noAdjustHandles="1" noChangeArrowheads="1" noChangeShapeType="1"/>
+            </p:cNvSpPr>
             <p:nvPr/>
           </p:nvSpPr>
           <p:spPr>
@@ -21174,7 +21487,7 @@
               </a:extLst>
             </p:cNvPr>
             <p:cNvSpPr>
-              <a:spLocks noChangeAspect="1"/>
+              <a:spLocks noGrp="1" noRot="1" noChangeAspect="1" noMove="1" noResize="1" noEditPoints="1" noAdjustHandles="1" noChangeArrowheads="1" noChangeShapeType="1"/>
             </p:cNvSpPr>
             <p:nvPr/>
           </p:nvSpPr>
@@ -22155,7 +22468,9 @@
                 </a:ext>
               </a:extLst>
             </p:cNvPr>
-            <p:cNvSpPr/>
+            <p:cNvSpPr>
+              <a:spLocks noGrp="1" noRot="1" noMove="1" noResize="1" noEditPoints="1" noAdjustHandles="1" noChangeArrowheads="1" noChangeShapeType="1"/>
+            </p:cNvSpPr>
             <p:nvPr/>
           </p:nvSpPr>
           <p:spPr>
@@ -22256,7 +22571,7 @@
               </a:extLst>
             </p:cNvPr>
             <p:cNvSpPr>
-              <a:spLocks noChangeAspect="1"/>
+              <a:spLocks noGrp="1" noRot="1" noChangeAspect="1" noMove="1" noResize="1" noEditPoints="1" noAdjustHandles="1" noChangeArrowheads="1" noChangeShapeType="1"/>
             </p:cNvSpPr>
             <p:nvPr/>
           </p:nvSpPr>
@@ -22741,6 +23056,137 @@
     <p:extLst>
       <p:ext uri="{BB962C8B-B14F-4D97-AF65-F5344CB8AC3E}">
         <p14:creationId xmlns:p14="http://schemas.microsoft.com/office/powerpoint/2010/main" val="1676044613"/>
+      </p:ext>
+    </p:extLst>
+  </p:cSld>
+  <p:clrMapOvr>
+    <a:masterClrMapping/>
+  </p:clrMapOvr>
+</p:sld>
+</file>
+
+<file path=ppt/slides/slide3.xml><?xml version="1.0" encoding="utf-8"?>
+<p:sld xmlns:a="http://schemas.openxmlformats.org/drawingml/2006/main" xmlns:r="http://schemas.openxmlformats.org/officeDocument/2006/relationships" xmlns:p="http://schemas.openxmlformats.org/presentationml/2006/main">
+  <p:cSld>
+    <p:bg>
+      <p:bgPr>
+        <a:solidFill>
+          <a:schemeClr val="tx1"/>
+        </a:solidFill>
+        <a:effectLst/>
+      </p:bgPr>
+    </p:bg>
+    <p:spTree>
+      <p:nvGrpSpPr>
+        <p:cNvPr id="1" name=""/>
+        <p:cNvGrpSpPr/>
+        <p:nvPr/>
+      </p:nvGrpSpPr>
+      <p:grpSpPr>
+        <a:xfrm>
+          <a:off x="0" y="0"/>
+          <a:ext cx="0" cy="0"/>
+          <a:chOff x="0" y="0"/>
+          <a:chExt cx="0" cy="0"/>
+        </a:xfrm>
+      </p:grpSpPr>
+      <p:pic>
+        <p:nvPicPr>
+          <p:cNvPr id="15" name="Figure 3">
+            <a:extLst>
+              <a:ext uri="{FF2B5EF4-FFF2-40B4-BE49-F238E27FC236}">
+                <a16:creationId xmlns:a16="http://schemas.microsoft.com/office/drawing/2014/main" id="{F3ABB1BD-6614-C29F-6C58-2464B4D24955}"/>
+              </a:ext>
+            </a:extLst>
+          </p:cNvPr>
+          <p:cNvPicPr>
+            <a:picLocks noGrp="1" noRot="1" noChangeAspect="1" noMove="1" noResize="1" noEditPoints="1" noAdjustHandles="1" noChangeArrowheads="1" noChangeShapeType="1" noCrop="1"/>
+          </p:cNvPicPr>
+          <p:nvPr/>
+        </p:nvPicPr>
+        <p:blipFill>
+          <a:blip r:embed="rId3">
+            <a:extLst>
+              <a:ext uri="{28A0092B-C50C-407E-A947-70E740481C1C}">
+                <a14:useLocalDpi xmlns:a14="http://schemas.microsoft.com/office/drawing/2010/main" val="0"/>
+              </a:ext>
+              <a:ext uri="{96DAC541-7B7A-43D3-8B79-37D633B846F1}">
+                <asvg:svgBlip xmlns:asvg="http://schemas.microsoft.com/office/drawing/2016/SVG/main" r:embed="rId4"/>
+              </a:ext>
+            </a:extLst>
+          </a:blip>
+          <a:stretch>
+            <a:fillRect/>
+          </a:stretch>
+        </p:blipFill>
+        <p:spPr>
+          <a:xfrm>
+            <a:off x="0" y="0"/>
+            <a:ext cx="3429000" cy="2571750"/>
+          </a:xfrm>
+          <a:prstGeom prst="rect">
+            <a:avLst/>
+          </a:prstGeom>
+        </p:spPr>
+      </p:pic>
+      <p:sp>
+        <p:nvSpPr>
+          <p:cNvPr id="17" name="Black square">
+            <a:extLst>
+              <a:ext uri="{FF2B5EF4-FFF2-40B4-BE49-F238E27FC236}">
+                <a16:creationId xmlns:a16="http://schemas.microsoft.com/office/drawing/2014/main" id="{7C949ECF-5CA9-C45F-1945-2C1FF7403161}"/>
+              </a:ext>
+            </a:extLst>
+          </p:cNvPr>
+          <p:cNvSpPr>
+            <a:spLocks noGrp="1" noRot="1" noMove="1" noResize="1" noEditPoints="1" noAdjustHandles="1" noChangeArrowheads="1" noChangeShapeType="1"/>
+          </p:cNvSpPr>
+          <p:nvPr/>
+        </p:nvSpPr>
+        <p:spPr>
+          <a:xfrm>
+            <a:off x="2894394" y="1752289"/>
+            <a:ext cx="62981" cy="46186"/>
+          </a:xfrm>
+          <a:prstGeom prst="rect">
+            <a:avLst/>
+          </a:prstGeom>
+          <a:solidFill>
+            <a:schemeClr val="tx1"/>
+          </a:solidFill>
+          <a:ln>
+            <a:noFill/>
+          </a:ln>
+        </p:spPr>
+        <p:style>
+          <a:lnRef idx="2">
+            <a:schemeClr val="accent1">
+              <a:shade val="50000"/>
+            </a:schemeClr>
+          </a:lnRef>
+          <a:fillRef idx="1">
+            <a:schemeClr val="accent1"/>
+          </a:fillRef>
+          <a:effectRef idx="0">
+            <a:schemeClr val="accent1"/>
+          </a:effectRef>
+          <a:fontRef idx="minor">
+            <a:schemeClr val="lt1"/>
+          </a:fontRef>
+        </p:style>
+        <p:txBody>
+          <a:bodyPr rtlCol="0" anchor="ctr"/>
+          <a:lstStyle/>
+          <a:p>
+            <a:pPr algn="ctr"/>
+            <a:endParaRPr lang="en-US"/>
+          </a:p>
+        </p:txBody>
+      </p:sp>
+    </p:spTree>
+    <p:extLst>
+      <p:ext uri="{BB962C8B-B14F-4D97-AF65-F5344CB8AC3E}">
+        <p14:creationId xmlns:p14="http://schemas.microsoft.com/office/powerpoint/2010/main" val="1477561200"/>
       </p:ext>
     </p:extLst>
   </p:cSld>

--- a/Surya_figure.pptx
+++ b/Surya_figure.pptx
@@ -199,7 +199,7 @@
           <a:p>
             <a:fld id="{5AA5A92D-55F4-4689-8FBB-5354F02867B9}" type="datetimeFigureOut">
               <a:rPr lang="en-US" smtClean="0"/>
-              <a:t>2/27/2023</a:t>
+              <a:t>3/6/2023</a:t>
             </a:fld>
             <a:endParaRPr lang="en-US"/>
           </a:p>
@@ -769,7 +769,7 @@
           <a:p>
             <a:fld id="{4BC7DA18-73FC-4D16-8CFB-9CCFAA425F44}" type="datetimeFigureOut">
               <a:rPr lang="en-US" smtClean="0"/>
-              <a:t>2/27/2023</a:t>
+              <a:t>3/6/2023</a:t>
             </a:fld>
             <a:endParaRPr lang="en-US"/>
           </a:p>
@@ -939,7 +939,7 @@
           <a:p>
             <a:fld id="{4BC7DA18-73FC-4D16-8CFB-9CCFAA425F44}" type="datetimeFigureOut">
               <a:rPr lang="en-US" smtClean="0"/>
-              <a:t>2/27/2023</a:t>
+              <a:t>3/6/2023</a:t>
             </a:fld>
             <a:endParaRPr lang="en-US"/>
           </a:p>
@@ -1119,7 +1119,7 @@
           <a:p>
             <a:fld id="{4BC7DA18-73FC-4D16-8CFB-9CCFAA425F44}" type="datetimeFigureOut">
               <a:rPr lang="en-US" smtClean="0"/>
-              <a:t>2/27/2023</a:t>
+              <a:t>3/6/2023</a:t>
             </a:fld>
             <a:endParaRPr lang="en-US"/>
           </a:p>
@@ -1289,7 +1289,7 @@
           <a:p>
             <a:fld id="{4BC7DA18-73FC-4D16-8CFB-9CCFAA425F44}" type="datetimeFigureOut">
               <a:rPr lang="en-US" smtClean="0"/>
-              <a:t>2/27/2023</a:t>
+              <a:t>3/6/2023</a:t>
             </a:fld>
             <a:endParaRPr lang="en-US"/>
           </a:p>
@@ -1533,7 +1533,7 @@
           <a:p>
             <a:fld id="{4BC7DA18-73FC-4D16-8CFB-9CCFAA425F44}" type="datetimeFigureOut">
               <a:rPr lang="en-US" smtClean="0"/>
-              <a:t>2/27/2023</a:t>
+              <a:t>3/6/2023</a:t>
             </a:fld>
             <a:endParaRPr lang="en-US"/>
           </a:p>
@@ -1765,7 +1765,7 @@
           <a:p>
             <a:fld id="{4BC7DA18-73FC-4D16-8CFB-9CCFAA425F44}" type="datetimeFigureOut">
               <a:rPr lang="en-US" smtClean="0"/>
-              <a:t>2/27/2023</a:t>
+              <a:t>3/6/2023</a:t>
             </a:fld>
             <a:endParaRPr lang="en-US"/>
           </a:p>
@@ -2132,7 +2132,7 @@
           <a:p>
             <a:fld id="{4BC7DA18-73FC-4D16-8CFB-9CCFAA425F44}" type="datetimeFigureOut">
               <a:rPr lang="en-US" smtClean="0"/>
-              <a:t>2/27/2023</a:t>
+              <a:t>3/6/2023</a:t>
             </a:fld>
             <a:endParaRPr lang="en-US"/>
           </a:p>
@@ -2250,7 +2250,7 @@
           <a:p>
             <a:fld id="{4BC7DA18-73FC-4D16-8CFB-9CCFAA425F44}" type="datetimeFigureOut">
               <a:rPr lang="en-US" smtClean="0"/>
-              <a:t>2/27/2023</a:t>
+              <a:t>3/6/2023</a:t>
             </a:fld>
             <a:endParaRPr lang="en-US"/>
           </a:p>
@@ -2345,7 +2345,7 @@
           <a:p>
             <a:fld id="{4BC7DA18-73FC-4D16-8CFB-9CCFAA425F44}" type="datetimeFigureOut">
               <a:rPr lang="en-US" smtClean="0"/>
-              <a:t>2/27/2023</a:t>
+              <a:t>3/6/2023</a:t>
             </a:fld>
             <a:endParaRPr lang="en-US"/>
           </a:p>
@@ -2622,7 +2622,7 @@
           <a:p>
             <a:fld id="{4BC7DA18-73FC-4D16-8CFB-9CCFAA425F44}" type="datetimeFigureOut">
               <a:rPr lang="en-US" smtClean="0"/>
-              <a:t>2/27/2023</a:t>
+              <a:t>3/6/2023</a:t>
             </a:fld>
             <a:endParaRPr lang="en-US"/>
           </a:p>
@@ -2879,7 +2879,7 @@
           <a:p>
             <a:fld id="{4BC7DA18-73FC-4D16-8CFB-9CCFAA425F44}" type="datetimeFigureOut">
               <a:rPr lang="en-US" smtClean="0"/>
-              <a:t>2/27/2023</a:t>
+              <a:t>3/6/2023</a:t>
             </a:fld>
             <a:endParaRPr lang="en-US"/>
           </a:p>
@@ -3092,7 +3092,7 @@
           <a:p>
             <a:fld id="{4BC7DA18-73FC-4D16-8CFB-9CCFAA425F44}" type="datetimeFigureOut">
               <a:rPr lang="en-US" smtClean="0"/>
-              <a:t>2/27/2023</a:t>
+              <a:t>3/6/2023</a:t>
             </a:fld>
             <a:endParaRPr lang="en-US"/>
           </a:p>
@@ -23092,10 +23092,10 @@
       </p:grpSpPr>
       <p:pic>
         <p:nvPicPr>
-          <p:cNvPr id="15" name="Figure 3">
+          <p:cNvPr id="3" name="Figure 3">
             <a:extLst>
               <a:ext uri="{FF2B5EF4-FFF2-40B4-BE49-F238E27FC236}">
-                <a16:creationId xmlns:a16="http://schemas.microsoft.com/office/drawing/2014/main" id="{F3ABB1BD-6614-C29F-6C58-2464B4D24955}"/>
+                <a16:creationId xmlns:a16="http://schemas.microsoft.com/office/drawing/2014/main" id="{2996095B-D0A7-4B2C-638A-CE382FDC93E8}"/>
               </a:ext>
             </a:extLst>
           </p:cNvPr>
@@ -23121,8 +23121,8 @@
         </p:blipFill>
         <p:spPr>
           <a:xfrm>
-            <a:off x="0" y="0"/>
-            <a:ext cx="3429000" cy="2571750"/>
+            <a:off x="76200" y="336001"/>
+            <a:ext cx="3352800" cy="2228850"/>
           </a:xfrm>
           <a:prstGeom prst="rect">
             <a:avLst/>
@@ -23145,7 +23145,7 @@
         </p:nvSpPr>
         <p:spPr>
           <a:xfrm>
-            <a:off x="2894394" y="1752289"/>
+            <a:off x="2894397" y="1974635"/>
             <a:ext cx="62981" cy="46186"/>
           </a:xfrm>
           <a:prstGeom prst="rect">
